--- a/source/foundations/_static/efficiency/efficiency.pptx
+++ b/source/foundations/_static/efficiency/efficiency.pptx
@@ -224,7 +224,7 @@
           <a:p>
             <a:fld id="{84F29782-C61A-CD4C-9376-B0A272778357}" type="datetimeFigureOut">
               <a:rPr lang="en-NO" smtClean="0"/>
-              <a:t>25/08/2022</a:t>
+              <a:t>28/08/2023</a:t>
             </a:fld>
             <a:endParaRPr lang="en-NO"/>
           </a:p>
@@ -4310,7 +4310,60 @@
           <a:p>
             <a:r>
               <a:rPr lang="en-NO" dirty="0"/>
-              <a:t>Week 2 / Lecture 1</a:t>
+              <a:t>Foundations / Lecture 4</a:t>
+            </a:r>
+          </a:p>
+        </p:txBody>
+      </p:sp>
+      <p:sp>
+        <p:nvSpPr>
+          <p:cNvPr id="8" name="TextBox 7">
+            <a:extLst>
+              <a:ext uri="{FF2B5EF4-FFF2-40B4-BE49-F238E27FC236}">
+                <a16:creationId xmlns:a16="http://schemas.microsoft.com/office/drawing/2014/main" id="{D2F877C0-36D9-93B7-DC1C-2FD0A5709341}"/>
+              </a:ext>
+            </a:extLst>
+          </p:cNvPr>
+          <p:cNvSpPr txBox="1"/>
+          <p:nvPr/>
+        </p:nvSpPr>
+        <p:spPr>
+          <a:xfrm>
+            <a:off x="8305216" y="5478317"/>
+            <a:ext cx="3639138" cy="646331"/>
+          </a:xfrm>
+          <a:prstGeom prst="rect">
+            <a:avLst/>
+          </a:prstGeom>
+          <a:noFill/>
+        </p:spPr>
+        <p:txBody>
+          <a:bodyPr wrap="none" rtlCol="0">
+            <a:spAutoFit/>
+          </a:bodyPr>
+          <a:lstStyle/>
+          <a:p>
+            <a:pPr algn="r"/>
+            <a:r>
+              <a:rPr lang="en-NO" b="1" dirty="0">
+                <a:solidFill>
+                  <a:schemeClr val="accent6"/>
+                </a:solidFill>
+                <a:latin typeface="Montserrat" pitchFamily="2" charset="77"/>
+              </a:rPr>
+              <a:t>Ask questions on menti.com</a:t>
+            </a:r>
+          </a:p>
+          <a:p>
+            <a:pPr algn="r"/>
+            <a:r>
+              <a:rPr lang="en-NO" b="1" dirty="0">
+                <a:solidFill>
+                  <a:schemeClr val="accent6"/>
+                </a:solidFill>
+                <a:latin typeface="Montserrat" pitchFamily="2" charset="77"/>
+              </a:rPr>
+              <a:t>with code 1384 3192 </a:t>
             </a:r>
           </a:p>
         </p:txBody>
@@ -19838,6 +19891,17 @@
           <a:p>
             <a:pPr lvl="1"/>
             <a:r>
+              <a:rPr lang="en-NO" dirty="0">
+                <a:solidFill>
+                  <a:schemeClr val="accent3"/>
+                </a:solidFill>
+              </a:rPr>
+              <a:t>Depends on the machine</a:t>
+            </a:r>
+          </a:p>
+          <a:p>
+            <a:pPr lvl="1"/>
+            <a:r>
               <a:rPr lang="en-NO" dirty="0"/>
               <a:t>Memory</a:t>
             </a:r>
